--- a/private/doc/Final Presentation.pptx
+++ b/private/doc/Final Presentation.pptx
@@ -5,7 +5,7 @@
     <p:sldMasterId id="2147483654" r:id="rId1"/>
   </p:sldMasterIdLst>
   <p:notesMasterIdLst>
-    <p:notesMasterId r:id="rId10"/>
+    <p:notesMasterId r:id="rId11"/>
   </p:notesMasterIdLst>
   <p:sldIdLst>
     <p:sldId id="256" r:id="rId2"/>
@@ -13,9 +13,10 @@
     <p:sldId id="257" r:id="rId4"/>
     <p:sldId id="258" r:id="rId5"/>
     <p:sldId id="259" r:id="rId6"/>
-    <p:sldId id="260" r:id="rId7"/>
-    <p:sldId id="261" r:id="rId8"/>
-    <p:sldId id="262" r:id="rId9"/>
+    <p:sldId id="264" r:id="rId7"/>
+    <p:sldId id="260" r:id="rId8"/>
+    <p:sldId id="261" r:id="rId9"/>
+    <p:sldId id="262" r:id="rId10"/>
   </p:sldIdLst>
   <p:sldSz cx="9144000" cy="5143500" type="screen16x9"/>
   <p:notesSz cx="6858000" cy="9144000"/>
@@ -345,7 +346,7 @@
     </p:spTree>
     <p:extLst>
       <p:ext uri="{BB962C8B-B14F-4D97-AF65-F5344CB8AC3E}">
-        <p14:creationId xmlns:p14="http://schemas.microsoft.com/office/powerpoint/2010/main" xmlns:p="http://schemas.openxmlformats.org/presentationml/2006/main" xmlns:r="http://schemas.openxmlformats.org/officeDocument/2006/relationships" xmlns:a="http://schemas.openxmlformats.org/drawingml/2006/main" xmlns="" val="996723178"/>
+        <p14:creationId xmlns="" xmlns:a="http://schemas.openxmlformats.org/drawingml/2006/main" xmlns:r="http://schemas.openxmlformats.org/officeDocument/2006/relationships" xmlns:p="http://schemas.openxmlformats.org/presentationml/2006/main" xmlns:p14="http://schemas.microsoft.com/office/powerpoint/2010/main" xmlns:mv="urn:schemas-microsoft-com:mac:vml" xmlns:mc="http://schemas.openxmlformats.org/markup-compatibility/2006" val="996723178"/>
       </p:ext>
     </p:extLst>
   </p:cSld>
@@ -854,8 +855,8 @@
         </p:nvSpPr>
         <p:spPr>
           <a:xfrm>
-            <a:off x="1143225" y="685800"/>
-            <a:ext cx="4572299" cy="3429000"/>
+            <a:off x="381000" y="685800"/>
+            <a:ext cx="6096000" cy="3429000"/>
           </a:xfrm>
           <a:custGeom>
             <a:avLst/>
@@ -6498,11 +6499,7 @@
             </a:pPr>
             <a:r>
               <a:rPr lang="en-US" dirty="0" smtClean="0"/>
-              <a:t>Bringing</a:t>
-            </a:r>
-            <a:r>
-              <a:rPr lang="en-US" dirty="0" smtClean="0"/>
-              <a:t> the community to you</a:t>
+              <a:t>Bringing the community to you</a:t>
             </a:r>
             <a:endParaRPr lang="en" dirty="0"/>
           </a:p>
@@ -6582,6 +6579,7 @@
               <a:rPr lang="en-US" sz="2000" dirty="0" smtClean="0"/>
               <a:t> Alex Quinn (Leader)</a:t>
             </a:r>
+            <a:endParaRPr lang="en-US" sz="2000" dirty="0" smtClean="0"/>
           </a:p>
           <a:p>
             <a:pPr lvl="1">
@@ -6590,8 +6588,9 @@
             </a:pPr>
             <a:r>
               <a:rPr lang="en-US" sz="2000" dirty="0" smtClean="0"/>
-              <a:t>Filler</a:t>
+              <a:t> Coordinated programming efforts and styled website</a:t>
             </a:r>
+            <a:endParaRPr lang="en-US" sz="2000" dirty="0" smtClean="0"/>
           </a:p>
           <a:p>
             <a:pPr>
@@ -6610,8 +6609,13 @@
             </a:pPr>
             <a:r>
               <a:rPr lang="en-US" sz="2000" dirty="0" smtClean="0"/>
-              <a:t> Filler</a:t>
+              <a:t> </a:t>
             </a:r>
+            <a:r>
+              <a:rPr lang="en-US" sz="2000" dirty="0" smtClean="0"/>
+              <a:t>Website functionality</a:t>
+            </a:r>
+            <a:endParaRPr lang="en-US" sz="2000" dirty="0" smtClean="0"/>
           </a:p>
           <a:p>
             <a:pPr>
@@ -6642,7 +6646,6 @@
               <a:rPr lang="en-US" sz="2000" dirty="0" smtClean="0"/>
               <a:t>Jay Gallagher (Tester)</a:t>
             </a:r>
-            <a:endParaRPr lang="en-US" sz="2000" dirty="0" smtClean="0"/>
           </a:p>
           <a:p>
             <a:pPr lvl="1">
@@ -6653,7 +6656,6 @@
               <a:rPr lang="en-US" sz="2000" dirty="0" smtClean="0"/>
               <a:t> Website Tester and Conceptual Developer</a:t>
             </a:r>
-            <a:endParaRPr lang="en-US" sz="2000" dirty="0" smtClean="0"/>
           </a:p>
           <a:p>
             <a:pPr>
@@ -7068,15 +7070,7 @@
             </a:pPr>
             <a:r>
               <a:rPr lang="en-US" dirty="0" smtClean="0"/>
-              <a:t>Formulated </a:t>
-            </a:r>
-            <a:r>
-              <a:rPr lang="en-US" dirty="0" smtClean="0"/>
-              <a:t>test </a:t>
-            </a:r>
-            <a:r>
-              <a:rPr lang="en-US" dirty="0" smtClean="0"/>
-              <a:t>plan</a:t>
+              <a:t>Formulated test plan</a:t>
             </a:r>
           </a:p>
           <a:p>
@@ -7140,6 +7134,115 @@
   <p:cSld>
     <p:spTree>
       <p:nvGrpSpPr>
+        <p:cNvPr id="1" name=""/>
+        <p:cNvGrpSpPr/>
+        <p:nvPr/>
+      </p:nvGrpSpPr>
+      <p:grpSpPr>
+        <a:xfrm>
+          <a:off x="0" y="0"/>
+          <a:ext cx="0" cy="0"/>
+          <a:chOff x="0" y="0"/>
+          <a:chExt cx="0" cy="0"/>
+        </a:xfrm>
+      </p:grpSpPr>
+      <p:sp>
+        <p:nvSpPr>
+          <p:cNvPr id="2" name="Title 1"/>
+          <p:cNvSpPr>
+            <a:spLocks noGrp="1"/>
+          </p:cNvSpPr>
+          <p:nvPr>
+            <p:ph type="title"/>
+          </p:nvPr>
+        </p:nvSpPr>
+        <p:spPr/>
+        <p:txBody>
+          <a:bodyPr/>
+          <a:lstStyle/>
+          <a:p>
+            <a:r>
+              <a:rPr lang="en-US" dirty="0" smtClean="0"/>
+              <a:t>Installation</a:t>
+            </a:r>
+            <a:endParaRPr lang="en-US" dirty="0"/>
+          </a:p>
+        </p:txBody>
+      </p:sp>
+      <p:sp>
+        <p:nvSpPr>
+          <p:cNvPr id="3" name="Text Placeholder 2"/>
+          <p:cNvSpPr>
+            <a:spLocks noGrp="1"/>
+          </p:cNvSpPr>
+          <p:nvPr>
+            <p:ph type="body" idx="1"/>
+          </p:nvPr>
+        </p:nvSpPr>
+        <p:spPr/>
+        <p:txBody>
+          <a:bodyPr/>
+          <a:lstStyle/>
+          <a:p>
+            <a:pPr>
+              <a:buFont typeface="Arial"/>
+              <a:buChar char="•"/>
+            </a:pPr>
+            <a:r>
+              <a:rPr lang="en-US" dirty="0" smtClean="0"/>
+              <a:t> Code is portable – load from CD, flash drive, etc. onto any platform</a:t>
+            </a:r>
+          </a:p>
+          <a:p>
+            <a:pPr>
+              <a:buFont typeface="Arial"/>
+              <a:buChar char="•"/>
+            </a:pPr>
+            <a:endParaRPr lang="en-US" dirty="0" smtClean="0"/>
+          </a:p>
+          <a:p>
+            <a:pPr>
+              <a:buFont typeface="Arial"/>
+              <a:buChar char="•"/>
+            </a:pPr>
+            <a:r>
+              <a:rPr lang="en-US" dirty="0" smtClean="0"/>
+              <a:t> Unzip code and load onto system</a:t>
+            </a:r>
+          </a:p>
+          <a:p>
+            <a:pPr>
+              <a:buFont typeface="Arial"/>
+              <a:buChar char="•"/>
+            </a:pPr>
+            <a:endParaRPr lang="en-US" dirty="0" smtClean="0"/>
+          </a:p>
+          <a:p>
+            <a:pPr>
+              <a:buFont typeface="Arial"/>
+              <a:buChar char="•"/>
+            </a:pPr>
+            <a:r>
+              <a:rPr lang="en-US" dirty="0" smtClean="0"/>
+              <a:t>Host code by a service provider</a:t>
+            </a:r>
+            <a:endParaRPr lang="en-US" dirty="0"/>
+          </a:p>
+        </p:txBody>
+      </p:sp>
+    </p:spTree>
+  </p:cSld>
+  <p:clrMapOvr>
+    <a:masterClrMapping/>
+  </p:clrMapOvr>
+</p:sld>
+</file>
+
+<file path=ppt/slides/slide7.xml><?xml version="1.0" encoding="utf-8"?>
+<p:sld xmlns:a="http://schemas.openxmlformats.org/drawingml/2006/main" xmlns:r="http://schemas.openxmlformats.org/officeDocument/2006/relationships" xmlns:mc="http://schemas.openxmlformats.org/markup-compatibility/2006" xmlns:mv="urn:schemas-microsoft-com:mac:vml" xmlns:p="http://schemas.openxmlformats.org/presentationml/2006/main" mc:Ignorable="mv" mc:PreserveAttributes="mv:*">
+  <p:cSld>
+    <p:spTree>
+      <p:nvGrpSpPr>
         <p:cNvPr id="1" name="Shape 102"/>
         <p:cNvGrpSpPr/>
         <p:nvPr/>
@@ -7221,7 +7324,7 @@
               <a:buChar char="•"/>
             </a:pPr>
             <a:r>
-              <a:rPr lang="en"/>
+              <a:rPr lang="en" sz="2600" dirty="0" smtClean="0"/>
               <a:t>Reliable bug fixing</a:t>
             </a:r>
           </a:p>
@@ -7235,9 +7338,89 @@
               <a:buChar char="•"/>
             </a:pPr>
             <a:r>
-              <a:rPr lang="en"/>
+              <a:rPr lang="en" sz="2600" dirty="0" smtClean="0"/>
               <a:t>Rapid feature introduction via a web-based system</a:t>
             </a:r>
+            <a:endParaRPr lang="en-US" sz="2600" dirty="0" smtClean="0"/>
+          </a:p>
+          <a:p>
+            <a:pPr marL="857250" lvl="1" indent="-431800">
+              <a:buSzPct val="166666"/>
+              <a:buFont typeface="Arial"/>
+              <a:buChar char="•"/>
+            </a:pPr>
+            <a:r>
+              <a:rPr lang="en-US" sz="2400" dirty="0" smtClean="0"/>
+              <a:t>Event map, search users, other client-</a:t>
+            </a:r>
+            <a:r>
+              <a:rPr lang="en-US" sz="2400" smtClean="0"/>
+              <a:t>introduced features</a:t>
+            </a:r>
+            <a:endParaRPr lang="en-US" sz="2400" smtClean="0"/>
+          </a:p>
+          <a:p>
+            <a:pPr marL="457200" lvl="0" indent="-431800" rtl="0">
+              <a:buClr>
+                <a:schemeClr val="lt1"/>
+              </a:buClr>
+              <a:buSzPct val="166666"/>
+              <a:buFont typeface="Arial"/>
+              <a:buChar char="•"/>
+            </a:pPr>
+            <a:r>
+              <a:rPr lang="en-US" sz="2600" dirty="0" smtClean="0"/>
+              <a:t>Process:</a:t>
+            </a:r>
+          </a:p>
+          <a:p>
+            <a:pPr marL="857250" lvl="1" indent="-431800">
+              <a:buSzPct val="166666"/>
+              <a:buFont typeface="Arial"/>
+              <a:buChar char="•"/>
+            </a:pPr>
+            <a:r>
+              <a:rPr lang="en-US" sz="2400" dirty="0" smtClean="0"/>
+              <a:t>Receive request from client – formulate plan</a:t>
+            </a:r>
+          </a:p>
+          <a:p>
+            <a:pPr marL="857250" lvl="1" indent="-431800">
+              <a:buSzPct val="166666"/>
+              <a:buFont typeface="Arial"/>
+              <a:buChar char="•"/>
+            </a:pPr>
+            <a:r>
+              <a:rPr lang="en-US" sz="2400" dirty="0" smtClean="0"/>
+              <a:t>Revision + Regression tests</a:t>
+            </a:r>
+          </a:p>
+          <a:p>
+            <a:pPr marL="857250" lvl="1" indent="-431800">
+              <a:buSzPct val="166666"/>
+              <a:buFont typeface="Arial"/>
+              <a:buChar char="•"/>
+            </a:pPr>
+            <a:r>
+              <a:rPr lang="en-US" sz="2400" dirty="0" smtClean="0"/>
+              <a:t>Reload new software</a:t>
+            </a:r>
+          </a:p>
+          <a:p>
+            <a:pPr marL="857250" lvl="1" indent="-431800">
+              <a:buSzPct val="166666"/>
+              <a:buFont typeface="Arial"/>
+              <a:buChar char="•"/>
+            </a:pPr>
+            <a:endParaRPr lang="en-US" dirty="0" smtClean="0"/>
+          </a:p>
+          <a:p>
+            <a:pPr marL="857250" lvl="1" indent="-431800">
+              <a:buSzPct val="166666"/>
+              <a:buFont typeface="Arial"/>
+              <a:buChar char="•"/>
+            </a:pPr>
+            <a:endParaRPr lang="en" dirty="0"/>
           </a:p>
           <a:p>
             <a:pPr marL="914400" lvl="1" indent="-406400" rtl="0">
@@ -7245,41 +7428,8 @@
                 <a:schemeClr val="lt1"/>
               </a:buClr>
               <a:buSzPct val="87500"/>
-              <a:buFont typeface="Courier New"/>
-              <a:buChar char="o"/>
             </a:pPr>
-            <a:r>
-              <a:rPr lang="en"/>
-              <a:t>Event map</a:t>
-            </a:r>
-          </a:p>
-          <a:p>
-            <a:pPr marL="914400" lvl="1" indent="-406400" rtl="0">
-              <a:buClr>
-                <a:schemeClr val="lt1"/>
-              </a:buClr>
-              <a:buSzPct val="87500"/>
-              <a:buFont typeface="Courier New"/>
-              <a:buChar char="o"/>
-            </a:pPr>
-            <a:r>
-              <a:rPr lang="en"/>
-              <a:t>Search users</a:t>
-            </a:r>
-          </a:p>
-          <a:p>
-            <a:pPr marL="914400" lvl="1" indent="-406400" rtl="0">
-              <a:buClr>
-                <a:schemeClr val="lt1"/>
-              </a:buClr>
-              <a:buSzPct val="87500"/>
-              <a:buFont typeface="Courier New"/>
-              <a:buChar char="o"/>
-            </a:pPr>
-            <a:r>
-              <a:rPr lang="en"/>
-              <a:t>Other client-introduced features</a:t>
-            </a:r>
+            <a:endParaRPr lang="en" dirty="0" smtClean="0"/>
           </a:p>
         </p:txBody>
       </p:sp>
@@ -7294,7 +7444,7 @@
 </p:sld>
 </file>
 
-<file path=ppt/slides/slide7.xml><?xml version="1.0" encoding="utf-8"?>
+<file path=ppt/slides/slide8.xml><?xml version="1.0" encoding="utf-8"?>
 <p:sld xmlns:a="http://schemas.openxmlformats.org/drawingml/2006/main" xmlns:r="http://schemas.openxmlformats.org/officeDocument/2006/relationships" xmlns:mc="http://schemas.openxmlformats.org/markup-compatibility/2006" xmlns:mv="urn:schemas-microsoft-com:mac:vml" xmlns:p="http://schemas.openxmlformats.org/presentationml/2006/main" mc:Ignorable="mv" mc:PreserveAttributes="mv:*">
   <p:cSld>
     <p:spTree>
@@ -7397,7 +7547,7 @@
 </p:sld>
 </file>
 
-<file path=ppt/slides/slide8.xml><?xml version="1.0" encoding="utf-8"?>
+<file path=ppt/slides/slide9.xml><?xml version="1.0" encoding="utf-8"?>
 <p:sld xmlns:a="http://schemas.openxmlformats.org/drawingml/2006/main" xmlns:r="http://schemas.openxmlformats.org/officeDocument/2006/relationships" xmlns:mc="http://schemas.openxmlformats.org/markup-compatibility/2006" xmlns:mv="urn:schemas-microsoft-com:mac:vml" xmlns:p="http://schemas.openxmlformats.org/presentationml/2006/main" mc:Ignorable="mv" mc:PreserveAttributes="mv:*">
   <p:cSld>
     <p:spTree>
